--- a/2021-04-12to04-16 (A5) C53517 SoftMARS/20_13v01_MarsBaseAlpha_OpeningBriefing.pptx
+++ b/2021-04-12to04-16 (A5) C53517 SoftMARS/20_13v01_MarsBaseAlpha_OpeningBriefing.pptx
@@ -261,7 +261,7 @@
           <a:p>
             <a:fld id="{F319E496-E8FF-4856-B08F-DBE14D18B236}" type="datetimeFigureOut">
               <a:rPr lang="en-US" smtClean="0"/>
-              <a:t>4/16/2022</a:t>
+              <a:t>5/12/2022</a:t>
             </a:fld>
             <a:endParaRPr lang="en-US"/>
           </a:p>
@@ -438,7 +438,7 @@
           <a:p>
             <a:fld id="{4572F63B-EF0F-9942-98B2-F67CC88AF236}" type="datetimeFigureOut">
               <a:rPr lang="en-US" smtClean="0"/>
-              <a:t>4/16/2022</a:t>
+              <a:t>5/12/2022</a:t>
             </a:fld>
             <a:endParaRPr lang="en-US"/>
           </a:p>
@@ -1583,7 +1583,7 @@
               </a14:hiddenLine>
             </a:ext>
             <a:ext uri="{FAA26D3D-D897-4be2-8F04-BA451C77F1D7}">
-              <ma14:placeholderFlag xmlns="" xmlns:ma14="http://schemas.microsoft.com/office/mac/drawingml/2011/main" val="1"/>
+              <ma14:placeholderFlag xmlns:ma14="http://schemas.microsoft.com/office/mac/drawingml/2011/main" xmlns="" val="1"/>
             </a:ext>
           </a:extLst>
         </p:spPr>
@@ -2031,7 +2031,7 @@
               </a14:hiddenLine>
             </a:ext>
             <a:ext uri="{FAA26D3D-D897-4be2-8F04-BA451C77F1D7}">
-              <ma14:placeholderFlag xmlns="" xmlns:ma14="http://schemas.microsoft.com/office/mac/drawingml/2011/main" val="1"/>
+              <ma14:placeholderFlag xmlns:ma14="http://schemas.microsoft.com/office/mac/drawingml/2011/main" xmlns="" val="1"/>
             </a:ext>
           </a:extLst>
         </p:spPr>
@@ -2285,7 +2285,7 @@
               </a14:hiddenLine>
             </a:ext>
             <a:ext uri="{FAA26D3D-D897-4be2-8F04-BA451C77F1D7}">
-              <ma14:placeholderFlag xmlns="" xmlns:ma14="http://schemas.microsoft.com/office/mac/drawingml/2011/main" val="1"/>
+              <ma14:placeholderFlag xmlns:ma14="http://schemas.microsoft.com/office/mac/drawingml/2011/main" xmlns="" val="1"/>
             </a:ext>
           </a:extLst>
         </p:spPr>
@@ -2539,7 +2539,7 @@
               </a14:hiddenLine>
             </a:ext>
             <a:ext uri="{FAA26D3D-D897-4be2-8F04-BA451C77F1D7}">
-              <ma14:placeholderFlag xmlns="" xmlns:ma14="http://schemas.microsoft.com/office/mac/drawingml/2011/main" val="1"/>
+              <ma14:placeholderFlag xmlns:ma14="http://schemas.microsoft.com/office/mac/drawingml/2011/main" xmlns="" val="1"/>
             </a:ext>
           </a:extLst>
         </p:spPr>
@@ -3068,7 +3068,7 @@
               </a14:hiddenLine>
             </a:ext>
             <a:ext uri="{FAA26D3D-D897-4be2-8F04-BA451C77F1D7}">
-              <ma14:placeholderFlag xmlns="" xmlns:ma14="http://schemas.microsoft.com/office/mac/drawingml/2011/main" val="1"/>
+              <ma14:placeholderFlag xmlns:ma14="http://schemas.microsoft.com/office/mac/drawingml/2011/main" xmlns="" val="1"/>
             </a:ext>
           </a:extLst>
         </p:spPr>
@@ -5615,14 +5615,14 @@
           </a:ln>
           <a:extLst>
             <a:ext uri="{909E8E84-426E-40dd-AFC4-6F175D3DCCD1}">
-              <a14:hiddenFill xmlns:a14="http://schemas.microsoft.com/office/drawing/2010/main" xmlns="">
+              <a14:hiddenFill xmlns="" xmlns:a14="http://schemas.microsoft.com/office/drawing/2010/main">
                 <a:solidFill>
                   <a:schemeClr val="accent1"/>
                 </a:solidFill>
               </a14:hiddenFill>
             </a:ext>
             <a:ext uri="{91240B29-F687-4f45-9708-019B960494DF}">
-              <a14:hiddenLine xmlns:a14="http://schemas.microsoft.com/office/drawing/2010/main" xmlns="" w="9525">
+              <a14:hiddenLine xmlns="" xmlns:a14="http://schemas.microsoft.com/office/drawing/2010/main" w="9525">
                 <a:solidFill>
                   <a:schemeClr val="tx1"/>
                 </a:solidFill>
@@ -6455,7 +6455,7 @@
           <p:nvPr>
             <p:extLst>
               <p:ext uri="{D42A27DB-BD31-4B8C-83A1-F6EECF244321}">
-                <p14:modId xmlns:p14="http://schemas.microsoft.com/office/powerpoint/2010/main" val="2326006630"/>
+                <p14:modId xmlns:p14="http://schemas.microsoft.com/office/powerpoint/2010/main" val="264621868"/>
               </p:ext>
             </p:extLst>
           </p:nvPr>
@@ -6468,7 +6468,7 @@
           <a:graphicData uri="http://schemas.openxmlformats.org/presentationml/2006/ole">
             <mc:AlternateContent xmlns:mc="http://schemas.openxmlformats.org/markup-compatibility/2006">
               <mc:Choice xmlns:v="urn:schemas-microsoft-com:vml" Requires="v">
-                <p:oleObj spid="_x0000_s1047" name="Macro-Enabled Worksheet" r:id="rId3" imgW="5196769" imgH="2918310" progId="Excel.SheetMacroEnabled.12">
+                <p:oleObj spid="_x0000_s1050" name="Macro-Enabled Worksheet" r:id="rId3" imgW="5196769" imgH="2918310" progId="Excel.SheetMacroEnabled.12">
                   <p:link updateAutomatic="1"/>
                 </p:oleObj>
               </mc:Choice>
@@ -6518,7 +6518,7 @@
           <p:nvPr>
             <p:extLst>
               <p:ext uri="{D42A27DB-BD31-4B8C-83A1-F6EECF244321}">
-                <p14:modId xmlns:p14="http://schemas.microsoft.com/office/powerpoint/2010/main" val="2213033424"/>
+                <p14:modId xmlns:p14="http://schemas.microsoft.com/office/powerpoint/2010/main" val="314599462"/>
               </p:ext>
             </p:extLst>
           </p:nvPr>
@@ -6531,7 +6531,7 @@
           <a:graphicData uri="http://schemas.openxmlformats.org/presentationml/2006/ole">
             <mc:AlternateContent xmlns:mc="http://schemas.openxmlformats.org/markup-compatibility/2006">
               <mc:Choice xmlns:v="urn:schemas-microsoft-com:vml" Requires="v">
-                <p:oleObj spid="_x0000_s1048" name="Macro-Enabled Worksheet" r:id="rId5" imgW="5196769" imgH="670734" progId="Excel.SheetMacroEnabled.12">
+                <p:oleObj spid="_x0000_s1051" name="Macro-Enabled Worksheet" r:id="rId5" imgW="5196769" imgH="670734" progId="Excel.SheetMacroEnabled.12">
                   <p:link updateAutomatic="1"/>
                 </p:oleObj>
               </mc:Choice>
@@ -6581,7 +6581,7 @@
           <p:nvPr>
             <p:extLst>
               <p:ext uri="{D42A27DB-BD31-4B8C-83A1-F6EECF244321}">
-                <p14:modId xmlns:p14="http://schemas.microsoft.com/office/powerpoint/2010/main" val="288071835"/>
+                <p14:modId xmlns:p14="http://schemas.microsoft.com/office/powerpoint/2010/main" val="3519743204"/>
               </p:ext>
             </p:extLst>
           </p:nvPr>
@@ -6594,7 +6594,7 @@
           <a:graphicData uri="http://schemas.openxmlformats.org/presentationml/2006/ole">
             <mc:AlternateContent xmlns:mc="http://schemas.openxmlformats.org/markup-compatibility/2006">
               <mc:Choice xmlns:v="urn:schemas-microsoft-com:vml" Requires="v">
-                <p:oleObj spid="_x0000_s1049" name="Macro-Enabled Worksheet" r:id="rId7" imgW="5196769" imgH="274178" progId="Excel.SheetMacroEnabled.12">
+                <p:oleObj spid="_x0000_s1052" name="Macro-Enabled Worksheet" r:id="rId7" imgW="5196769" imgH="274178" progId="Excel.SheetMacroEnabled.12">
                   <p:link updateAutomatic="1"/>
                 </p:oleObj>
               </mc:Choice>
@@ -7022,7 +7022,7 @@
           <p:nvPr>
             <p:extLst>
               <p:ext uri="{D42A27DB-BD31-4B8C-83A1-F6EECF244321}">
-                <p14:modId xmlns:p14="http://schemas.microsoft.com/office/powerpoint/2010/main" val="1264780116"/>
+                <p14:modId xmlns:p14="http://schemas.microsoft.com/office/powerpoint/2010/main" val="2885246741"/>
               </p:ext>
             </p:extLst>
           </p:nvPr>
@@ -7035,7 +7035,7 @@
           <a:graphicData uri="http://schemas.openxmlformats.org/presentationml/2006/ole">
             <mc:AlternateContent xmlns:mc="http://schemas.openxmlformats.org/markup-compatibility/2006">
               <mc:Choice xmlns:v="urn:schemas-microsoft-com:vml" Requires="v">
-                <p:oleObj spid="_x0000_s5129" name="Macro-Enabled Worksheet" r:id="rId4" imgW="8244911" imgH="2110701" progId="Excel.SheetMacroEnabled.12">
+                <p:oleObj spid="_x0000_s5130" name="Macro-Enabled Worksheet" r:id="rId4" imgW="8244911" imgH="2110701" progId="Excel.SheetMacroEnabled.12">
                   <p:link updateAutomatic="1"/>
                 </p:oleObj>
               </mc:Choice>
@@ -7146,7 +7146,7 @@
           <p:nvPr>
             <p:extLst>
               <p:ext uri="{D42A27DB-BD31-4B8C-83A1-F6EECF244321}">
-                <p14:modId xmlns:p14="http://schemas.microsoft.com/office/powerpoint/2010/main" val="939144877"/>
+                <p14:modId xmlns:p14="http://schemas.microsoft.com/office/powerpoint/2010/main" val="189805174"/>
               </p:ext>
             </p:extLst>
           </p:nvPr>
@@ -7159,7 +7159,7 @@
           <a:graphicData uri="http://schemas.openxmlformats.org/presentationml/2006/ole">
             <mc:AlternateContent xmlns:mc="http://schemas.openxmlformats.org/markup-compatibility/2006">
               <mc:Choice xmlns:v="urn:schemas-microsoft-com:vml" Requires="v">
-                <p:oleObj spid="_x0000_s6153" name="Macro-Enabled Worksheet" r:id="rId4" imgW="9928683" imgH="5722770" progId="Excel.SheetMacroEnabled.12">
+                <p:oleObj spid="_x0000_s6154" name="Macro-Enabled Worksheet" r:id="rId4" imgW="9928683" imgH="5722770" progId="Excel.SheetMacroEnabled.12">
                   <p:link updateAutomatic="1"/>
                 </p:oleObj>
               </mc:Choice>
@@ -7265,7 +7265,7 @@
           <p:nvPr>
             <p:extLst>
               <p:ext uri="{D42A27DB-BD31-4B8C-83A1-F6EECF244321}">
-                <p14:modId xmlns:p14="http://schemas.microsoft.com/office/powerpoint/2010/main" val="3961689234"/>
+                <p14:modId xmlns:p14="http://schemas.microsoft.com/office/powerpoint/2010/main" val="938650470"/>
               </p:ext>
             </p:extLst>
           </p:nvPr>
@@ -7278,7 +7278,7 @@
           <a:graphicData uri="http://schemas.openxmlformats.org/presentationml/2006/ole">
             <mc:AlternateContent xmlns:mc="http://schemas.openxmlformats.org/markup-compatibility/2006">
               <mc:Choice xmlns:v="urn:schemas-microsoft-com:vml" Requires="v">
-                <p:oleObj spid="_x0000_s7177" name="Macro-Enabled Worksheet" r:id="rId4" imgW="8244911" imgH="358179" progId="Excel.SheetMacroEnabled.12">
+                <p:oleObj spid="_x0000_s7178" name="Macro-Enabled Worksheet" r:id="rId4" imgW="8244911" imgH="358179" progId="Excel.SheetMacroEnabled.12">
                   <p:link updateAutomatic="1"/>
                 </p:oleObj>
               </mc:Choice>
@@ -7384,7 +7384,7 @@
           <p:nvPr>
             <p:extLst>
               <p:ext uri="{D42A27DB-BD31-4B8C-83A1-F6EECF244321}">
-                <p14:modId xmlns:p14="http://schemas.microsoft.com/office/powerpoint/2010/main" val="1381284151"/>
+                <p14:modId xmlns:p14="http://schemas.microsoft.com/office/powerpoint/2010/main" val="2644076655"/>
               </p:ext>
             </p:extLst>
           </p:nvPr>
@@ -7397,7 +7397,7 @@
           <a:graphicData uri="http://schemas.openxmlformats.org/presentationml/2006/ole">
             <mc:AlternateContent xmlns:mc="http://schemas.openxmlformats.org/markup-compatibility/2006">
               <mc:Choice xmlns:v="urn:schemas-microsoft-com:vml" Requires="v">
-                <p:oleObj spid="_x0000_s8201" name="Macro-Enabled Worksheet" r:id="rId4" imgW="13403403" imgH="4008199" progId="Excel.SheetMacroEnabled.12">
+                <p:oleObj spid="_x0000_s8202" name="Macro-Enabled Worksheet" r:id="rId4" imgW="13403403" imgH="4008199" progId="Excel.SheetMacroEnabled.12">
                   <p:link updateAutomatic="1"/>
                 </p:oleObj>
               </mc:Choice>
@@ -7477,7 +7477,7 @@
           <p:nvPr>
             <p:extLst>
               <p:ext uri="{D42A27DB-BD31-4B8C-83A1-F6EECF244321}">
-                <p14:modId xmlns:p14="http://schemas.microsoft.com/office/powerpoint/2010/main" val="3958012565"/>
+                <p14:modId xmlns:p14="http://schemas.microsoft.com/office/powerpoint/2010/main" val="2735069944"/>
               </p:ext>
             </p:extLst>
           </p:nvPr>
@@ -7490,7 +7490,7 @@
           <a:graphicData uri="http://schemas.openxmlformats.org/presentationml/2006/ole">
             <mc:AlternateContent xmlns:mc="http://schemas.openxmlformats.org/markup-compatibility/2006">
               <mc:Choice xmlns:v="urn:schemas-microsoft-com:vml" Requires="v">
-                <p:oleObj spid="_x0000_s9225" name="Macro-Enabled Worksheet" r:id="rId3" imgW="11186302" imgH="3474767" progId="Excel.SheetMacroEnabled.12">
+                <p:oleObj spid="_x0000_s9226" name="Macro-Enabled Worksheet" r:id="rId3" imgW="11186302" imgH="3474767" progId="Excel.SheetMacroEnabled.12">
                   <p:link updateAutomatic="1"/>
                 </p:oleObj>
               </mc:Choice>
@@ -7604,7 +7604,7 @@
           <p:nvPr>
             <p:extLst>
               <p:ext uri="{D42A27DB-BD31-4B8C-83A1-F6EECF244321}">
-                <p14:modId xmlns:p14="http://schemas.microsoft.com/office/powerpoint/2010/main" val="3227720105"/>
+                <p14:modId xmlns:p14="http://schemas.microsoft.com/office/powerpoint/2010/main" val="2419158404"/>
               </p:ext>
             </p:extLst>
           </p:nvPr>
@@ -7617,7 +7617,7 @@
           <a:graphicData uri="http://schemas.openxmlformats.org/presentationml/2006/ole">
             <mc:AlternateContent xmlns:mc="http://schemas.openxmlformats.org/markup-compatibility/2006">
               <mc:Choice xmlns:v="urn:schemas-microsoft-com:vml" Requires="v">
-                <p:oleObj spid="_x0000_s10249" name="Macro-Enabled Worksheet" r:id="rId3" imgW="11186302" imgH="3474767" progId="Excel.SheetMacroEnabled.12">
+                <p:oleObj spid="_x0000_s10250" name="Macro-Enabled Worksheet" r:id="rId3" imgW="11186302" imgH="3474767" progId="Excel.SheetMacroEnabled.12">
                   <p:link updateAutomatic="1"/>
                 </p:oleObj>
               </mc:Choice>
@@ -7805,7 +7805,7 @@
           <p:nvPr>
             <p:extLst>
               <p:ext uri="{D42A27DB-BD31-4B8C-83A1-F6EECF244321}">
-                <p14:modId xmlns:p14="http://schemas.microsoft.com/office/powerpoint/2010/main" val="846336090"/>
+                <p14:modId xmlns:p14="http://schemas.microsoft.com/office/powerpoint/2010/main" val="4018866347"/>
               </p:ext>
             </p:extLst>
           </p:nvPr>
@@ -7818,7 +7818,7 @@
           <a:graphicData uri="http://schemas.openxmlformats.org/presentationml/2006/ole">
             <mc:AlternateContent xmlns:mc="http://schemas.openxmlformats.org/markup-compatibility/2006">
               <mc:Choice xmlns:v="urn:schemas-microsoft-com:vml" Requires="v">
-                <p:oleObj spid="_x0000_s11280" name="Macro-Enabled Worksheet" r:id="rId4" imgW="12489003" imgH="9060235" progId="Excel.SheetMacroEnabled.12">
+                <p:oleObj spid="_x0000_s11282" name="Macro-Enabled Worksheet" r:id="rId4" imgW="12489003" imgH="9060235" progId="Excel.SheetMacroEnabled.12">
                   <p:link updateAutomatic="1"/>
                 </p:oleObj>
               </mc:Choice>
@@ -7956,7 +7956,7 @@
           <p:nvPr>
             <p:extLst>
               <p:ext uri="{D42A27DB-BD31-4B8C-83A1-F6EECF244321}">
-                <p14:modId xmlns:p14="http://schemas.microsoft.com/office/powerpoint/2010/main" val="2427246815"/>
+                <p14:modId xmlns:p14="http://schemas.microsoft.com/office/powerpoint/2010/main" val="694255710"/>
               </p:ext>
             </p:extLst>
           </p:nvPr>
@@ -7969,7 +7969,7 @@
           <a:graphicData uri="http://schemas.openxmlformats.org/presentationml/2006/ole">
             <mc:AlternateContent xmlns:mc="http://schemas.openxmlformats.org/markup-compatibility/2006">
               <mc:Choice xmlns:v="urn:schemas-microsoft-com:vml" Requires="v">
-                <p:oleObj spid="_x0000_s11281" name="Macro-Enabled Worksheet" r:id="rId6" imgW="3330117" imgH="7675" progId="Excel.SheetMacroEnabled.12">
+                <p:oleObj spid="_x0000_s11283" name="Macro-Enabled Worksheet" r:id="rId6" imgW="3330117" imgH="7675" progId="Excel.SheetMacroEnabled.12">
                   <p:link updateAutomatic="1"/>
                 </p:oleObj>
               </mc:Choice>
@@ -8318,7 +8318,7 @@
 </file>
 
 <file path=ppt/slides/slide2.xml><?xml version="1.0" encoding="utf-8"?>
-<p:sld xmlns:a="http://schemas.openxmlformats.org/drawingml/2006/main" xmlns:r="http://schemas.openxmlformats.org/officeDocument/2006/relationships" xmlns:p="http://schemas.openxmlformats.org/presentationml/2006/main">
+<p:sld xmlns:a="http://schemas.openxmlformats.org/drawingml/2006/main" xmlns:r="http://schemas.openxmlformats.org/officeDocument/2006/relationships" xmlns:p="http://schemas.openxmlformats.org/presentationml/2006/main" show="0">
   <p:cSld>
     <p:spTree>
       <p:nvGrpSpPr>
@@ -9035,7 +9035,7 @@
 </file>
 
 <file path=ppt/slides/slide20.xml><?xml version="1.0" encoding="utf-8"?>
-<p:sld xmlns:a="http://schemas.openxmlformats.org/drawingml/2006/main" xmlns:r="http://schemas.openxmlformats.org/officeDocument/2006/relationships" xmlns:p="http://schemas.openxmlformats.org/presentationml/2006/main">
+<p:sld xmlns:a="http://schemas.openxmlformats.org/drawingml/2006/main" xmlns:r="http://schemas.openxmlformats.org/officeDocument/2006/relationships" xmlns:p="http://schemas.openxmlformats.org/presentationml/2006/main" show="0">
   <p:cSld>
     <p:spTree>
       <p:nvGrpSpPr>
@@ -9099,7 +9099,7 @@
           <p:nvPr>
             <p:extLst>
               <p:ext uri="{D42A27DB-BD31-4B8C-83A1-F6EECF244321}">
-                <p14:modId xmlns:p14="http://schemas.microsoft.com/office/powerpoint/2010/main" val="3398158602"/>
+                <p14:modId xmlns:p14="http://schemas.microsoft.com/office/powerpoint/2010/main" val="4088689076"/>
               </p:ext>
             </p:extLst>
           </p:nvPr>
@@ -9112,7 +9112,7 @@
           <a:graphicData uri="http://schemas.openxmlformats.org/presentationml/2006/ole">
             <mc:AlternateContent xmlns:mc="http://schemas.openxmlformats.org/markup-compatibility/2006">
               <mc:Choice xmlns:v="urn:schemas-microsoft-com:vml" Requires="v">
-                <p:oleObj spid="_x0000_s12297" name="Macro-Enabled Worksheet" r:id="rId3" imgW="7437262" imgH="3177564" progId="Excel.SheetMacroEnabled.12">
+                <p:oleObj spid="_x0000_s12298" name="Macro-Enabled Worksheet" r:id="rId3" imgW="7437262" imgH="3177564" progId="Excel.SheetMacroEnabled.12">
                   <p:link updateAutomatic="1"/>
                 </p:oleObj>
               </mc:Choice>
@@ -9225,7 +9225,7 @@
           <p:nvPr>
             <p:extLst>
               <p:ext uri="{D42A27DB-BD31-4B8C-83A1-F6EECF244321}">
-                <p14:modId xmlns:p14="http://schemas.microsoft.com/office/powerpoint/2010/main" val="2709411907"/>
+                <p14:modId xmlns:p14="http://schemas.microsoft.com/office/powerpoint/2010/main" val="2713373867"/>
               </p:ext>
             </p:extLst>
           </p:nvPr>
@@ -9238,7 +9238,7 @@
           <a:graphicData uri="http://schemas.openxmlformats.org/presentationml/2006/ole">
             <mc:AlternateContent xmlns:mc="http://schemas.openxmlformats.org/markup-compatibility/2006">
               <mc:Choice xmlns:v="urn:schemas-microsoft-com:vml" Requires="v">
-                <p:oleObj spid="_x0000_s13321" name="Macro-Enabled Worksheet" r:id="rId3" imgW="8244911" imgH="2819384" progId="Excel.SheetMacroEnabled.12">
+                <p:oleObj spid="_x0000_s13322" name="Macro-Enabled Worksheet" r:id="rId3" imgW="8244911" imgH="2819384" progId="Excel.SheetMacroEnabled.12">
                   <p:link updateAutomatic="1"/>
                 </p:oleObj>
               </mc:Choice>
@@ -11290,7 +11290,7 @@
           <p:nvPr>
             <p:extLst>
               <p:ext uri="{D42A27DB-BD31-4B8C-83A1-F6EECF244321}">
-                <p14:modId xmlns:p14="http://schemas.microsoft.com/office/powerpoint/2010/main" val="2753798585"/>
+                <p14:modId xmlns:p14="http://schemas.microsoft.com/office/powerpoint/2010/main" val="4047638978"/>
               </p:ext>
             </p:extLst>
           </p:nvPr>
@@ -11303,7 +11303,7 @@
           <a:graphicData uri="http://schemas.openxmlformats.org/presentationml/2006/ole">
             <mc:AlternateContent xmlns:mc="http://schemas.openxmlformats.org/markup-compatibility/2006">
               <mc:Choice xmlns:v="urn:schemas-microsoft-com:vml" Requires="v">
-                <p:oleObj spid="_x0000_s2057" name="Macro-Enabled Worksheet" r:id="rId4" imgW="8244911" imgH="1432718" progId="Excel.SheetMacroEnabled.12">
+                <p:oleObj spid="_x0000_s2058" name="Macro-Enabled Worksheet" r:id="rId4" imgW="8244911" imgH="1432718" progId="Excel.SheetMacroEnabled.12">
                   <p:link updateAutomatic="1"/>
                 </p:oleObj>
               </mc:Choice>
@@ -11413,7 +11413,7 @@
           <p:nvPr>
             <p:extLst>
               <p:ext uri="{D42A27DB-BD31-4B8C-83A1-F6EECF244321}">
-                <p14:modId xmlns:p14="http://schemas.microsoft.com/office/powerpoint/2010/main" val="2213645667"/>
+                <p14:modId xmlns:p14="http://schemas.microsoft.com/office/powerpoint/2010/main" val="2003951366"/>
               </p:ext>
             </p:extLst>
           </p:nvPr>
@@ -11426,7 +11426,7 @@
           <a:graphicData uri="http://schemas.openxmlformats.org/presentationml/2006/ole">
             <mc:AlternateContent xmlns:mc="http://schemas.openxmlformats.org/markup-compatibility/2006">
               <mc:Choice xmlns:v="urn:schemas-microsoft-com:vml" Requires="v">
-                <p:oleObj spid="_x0000_s3081" name="Macro-Enabled Worksheet" r:id="rId4" imgW="8244911" imgH="1584944" progId="Excel.SheetMacroEnabled.12">
+                <p:oleObj spid="_x0000_s3082" name="Macro-Enabled Worksheet" r:id="rId4" imgW="8244911" imgH="1584944" progId="Excel.SheetMacroEnabled.12">
                   <p:link updateAutomatic="1"/>
                 </p:oleObj>
               </mc:Choice>
@@ -11556,7 +11556,7 @@
           <p:nvPr>
             <p:extLst>
               <p:ext uri="{D42A27DB-BD31-4B8C-83A1-F6EECF244321}">
-                <p14:modId xmlns:p14="http://schemas.microsoft.com/office/powerpoint/2010/main" val="428529188"/>
+                <p14:modId xmlns:p14="http://schemas.microsoft.com/office/powerpoint/2010/main" val="3956508518"/>
               </p:ext>
             </p:extLst>
           </p:nvPr>
@@ -11569,7 +11569,7 @@
           <a:graphicData uri="http://schemas.openxmlformats.org/presentationml/2006/ole">
             <mc:AlternateContent xmlns:mc="http://schemas.openxmlformats.org/markup-compatibility/2006">
               <mc:Choice xmlns:v="urn:schemas-microsoft-com:vml" Requires="v">
-                <p:oleObj spid="_x0000_s4105" name="Macro-Enabled Worksheet" r:id="rId4" imgW="7437262" imgH="1394342" progId="Excel.SheetMacroEnabled.12">
+                <p:oleObj spid="_x0000_s4106" name="Macro-Enabled Worksheet" r:id="rId4" imgW="7437262" imgH="1394342" progId="Excel.SheetMacroEnabled.12">
                   <p:link updateAutomatic="1"/>
                 </p:oleObj>
               </mc:Choice>
@@ -12768,6 +12768,15 @@
 </file>
 
 <file path=customXml/item1.xml><?xml version="1.0" encoding="utf-8"?>
+<?mso-contentType ?>
+<FormTemplates xmlns="http://schemas.microsoft.com/sharepoint/v3/contenttype/forms">
+  <Display>DocumentLibraryForm</Display>
+  <Edit>DocumentLibraryForm</Edit>
+  <New>DocumentLibraryForm</New>
+</FormTemplates>
+</file>
+
+<file path=customXml/item2.xml><?xml version="1.0" encoding="utf-8"?>
 <ct:contentTypeSchema xmlns:ct="http://schemas.microsoft.com/office/2006/metadata/contentType" xmlns:ma="http://schemas.microsoft.com/office/2006/metadata/properties/metaAttributes" ct:_="" ma:_="" ma:contentTypeName="Document" ma:contentTypeID="0x0101001F513751AC33344AB32CFD2920EFE649" ma:contentTypeVersion="11" ma:contentTypeDescription="Create a new document." ma:contentTypeScope="" ma:versionID="683516f7d70434a0e4dbd6c476be8d5b">
   <xsd:schema xmlns:xsd="http://www.w3.org/2001/XMLSchema" xmlns:xs="http://www.w3.org/2001/XMLSchema" xmlns:p="http://schemas.microsoft.com/office/2006/metadata/properties" xmlns:ns2="72e3a154-4955-46c3-9573-e9dec3e1f195" xmlns:ns3="ec500478-62e0-46fc-87f1-cfa988e486b4" targetNamespace="http://schemas.microsoft.com/office/2006/metadata/properties" ma:root="true" ma:fieldsID="cf4a15c6a1eec5dbba94230cc6a50510" ns2:_="" ns3:_="">
     <xsd:import namespace="72e3a154-4955-46c3-9573-e9dec3e1f195"/>
@@ -12978,15 +12987,6 @@
 </ct:contentTypeSchema>
 </file>
 
-<file path=customXml/item2.xml><?xml version="1.0" encoding="utf-8"?>
-<?mso-contentType ?>
-<FormTemplates xmlns="http://schemas.microsoft.com/sharepoint/v3/contenttype/forms">
-  <Display>DocumentLibraryForm</Display>
-  <Edit>DocumentLibraryForm</Edit>
-  <New>DocumentLibraryForm</New>
-</FormTemplates>
-</file>
-
 <file path=customXml/item3.xml><?xml version="1.0" encoding="utf-8"?>
 <p:properties xmlns:p="http://schemas.microsoft.com/office/2006/metadata/properties" xmlns:xsi="http://www.w3.org/2001/XMLSchema-instance" xmlns:pc="http://schemas.microsoft.com/office/infopath/2007/PartnerControls">
   <documentManagement/>
@@ -12994,6 +12994,14 @@
 </file>
 
 <file path=customXml/itemProps1.xml><?xml version="1.0" encoding="utf-8"?>
+<ds:datastoreItem xmlns:ds="http://schemas.openxmlformats.org/officeDocument/2006/customXml" ds:itemID="{B8B49826-D5EE-4D24-B649-7C3A19B527D2}">
+  <ds:schemaRefs>
+    <ds:schemaRef ds:uri="http://schemas.microsoft.com/sharepoint/v3/contenttype/forms"/>
+  </ds:schemaRefs>
+</ds:datastoreItem>
+</file>
+
+<file path=customXml/itemProps2.xml><?xml version="1.0" encoding="utf-8"?>
 <ds:datastoreItem xmlns:ds="http://schemas.openxmlformats.org/officeDocument/2006/customXml" ds:itemID="{153C8246-6D75-4965-9C67-AB8DC9AA7365}">
   <ds:schemaRefs>
     <ds:schemaRef ds:uri="http://schemas.microsoft.com/office/2006/metadata/contentType"/>
@@ -13008,14 +13016,6 @@
     <ds:schemaRef ds:uri="http://purl.org/dc/elements/1.1/"/>
     <ds:schemaRef ds:uri="http://purl.org/dc/terms/"/>
     <ds:schemaRef ds:uri="http://schemas.microsoft.com/internal/obd"/>
-  </ds:schemaRefs>
-</ds:datastoreItem>
-</file>
-
-<file path=customXml/itemProps2.xml><?xml version="1.0" encoding="utf-8"?>
-<ds:datastoreItem xmlns:ds="http://schemas.openxmlformats.org/officeDocument/2006/customXml" ds:itemID="{B8B49826-D5EE-4D24-B649-7C3A19B527D2}">
-  <ds:schemaRefs>
-    <ds:schemaRef ds:uri="http://schemas.microsoft.com/sharepoint/v3/contenttype/forms"/>
   </ds:schemaRefs>
 </ds:datastoreItem>
 </file>
